--- a/End Point 作業内容/発表/発表.pptx
+++ b/End Point 作業内容/発表/発表.pptx
@@ -145,6 +145,7 @@
 <file path=ppt/revisionInfo.xml><?xml version="1.0" encoding="utf-8"?>
 <p1510:revInfo xmlns:a="http://schemas.openxmlformats.org/drawingml/2006/main" xmlns:r="http://schemas.openxmlformats.org/officeDocument/2006/relationships" xmlns:p1510="http://schemas.microsoft.com/office/powerpoint/2015/10/main">
   <p1510:revLst>
+    <p1510:client id="{5DABE435-13CF-48F1-A900-DB9CBDC5F6AF}" v="16" dt="2023-02-15T02:17:18.700"/>
     <p1510:client id="{82F2E7F9-ACB9-4551-8A41-4765B0183A63}" v="91" dt="2023-02-12T12:33:32.378"/>
     <p1510:client id="{F9B07764-A16C-0C68-EBE3-11A75676DB5F}" v="2361" dt="2023-02-14T18:33:47.669"/>
   </p1510:revLst>
@@ -8272,7 +8273,7 @@
         </p:blipFill>
         <p:spPr>
           <a:xfrm>
-            <a:off x="1969476" y="2033619"/>
+            <a:off x="826476" y="1970119"/>
             <a:ext cx="3083169" cy="2779037"/>
           </a:xfrm>
           <a:prstGeom prst="rect">
@@ -8294,7 +8295,7 @@
         </p:nvSpPr>
         <p:spPr>
           <a:xfrm>
-            <a:off x="5627076" y="2842846"/>
+            <a:off x="4529433" y="2851917"/>
             <a:ext cx="2063261" cy="1160584"/>
           </a:xfrm>
           <a:prstGeom prst="rightArrow">
@@ -8326,6 +8327,36 @@
           </a:p>
         </p:txBody>
       </p:sp>
+      <p:pic>
+        <p:nvPicPr>
+          <p:cNvPr id="5" name="図 5" descr="グラフィカル ユーザー インターフェイス, アプリケーション, テーブル, Excel&#10;&#10;説明は自動で生成されたものです">
+            <a:extLst>
+              <a:ext uri="{FF2B5EF4-FFF2-40B4-BE49-F238E27FC236}">
+                <a16:creationId xmlns:a16="http://schemas.microsoft.com/office/drawing/2014/main" id="{603A2DDC-F9CD-D8FF-0A69-69E56120FE4E}"/>
+              </a:ext>
+            </a:extLst>
+          </p:cNvPr>
+          <p:cNvPicPr>
+            <a:picLocks noChangeAspect="1"/>
+          </p:cNvPicPr>
+          <p:nvPr/>
+        </p:nvPicPr>
+        <p:blipFill>
+          <a:blip r:embed="rId3"/>
+          <a:stretch>
+            <a:fillRect/>
+          </a:stretch>
+        </p:blipFill>
+        <p:spPr>
+          <a:xfrm>
+            <a:off x="6909481" y="1852681"/>
+            <a:ext cx="5161303" cy="3152640"/>
+          </a:xfrm>
+          <a:prstGeom prst="rect">
+            <a:avLst/>
+          </a:prstGeom>
+        </p:spPr>
+      </p:pic>
     </p:spTree>
     <p:extLst>
       <p:ext uri="{BB962C8B-B14F-4D97-AF65-F5344CB8AC3E}">
@@ -8577,6 +8608,35 @@
           </a:p>
         </p:txBody>
       </p:sp>
+      <p:pic>
+        <p:nvPicPr>
+          <p:cNvPr id="3" name="図 4" descr="グラフィカル ユーザー インターフェイス, テーブル, Excel&#10;&#10;説明は自動で生成されたものです">
+            <a:extLst>
+              <a:ext uri="{FF2B5EF4-FFF2-40B4-BE49-F238E27FC236}">
+                <a16:creationId xmlns:a16="http://schemas.microsoft.com/office/drawing/2014/main" id="{28A15A6C-0712-AA48-C550-24382A850502}"/>
+              </a:ext>
+            </a:extLst>
+          </p:cNvPr>
+          <p:cNvPicPr>
+            <a:picLocks noChangeAspect="1"/>
+          </p:cNvPicPr>
+          <p:nvPr/>
+        </p:nvPicPr>
+        <p:blipFill rotWithShape="1">
+          <a:blip r:embed="rId4"/>
+          <a:srcRect l="56710" t="20661" r="433" b="509"/>
+          <a:stretch/>
+        </p:blipFill>
+        <p:spPr>
+          <a:xfrm>
+            <a:off x="5212557" y="1341120"/>
+            <a:ext cx="2354378" cy="2264132"/>
+          </a:xfrm>
+          <a:prstGeom prst="rect">
+            <a:avLst/>
+          </a:prstGeom>
+        </p:spPr>
+      </p:pic>
     </p:spTree>
     <p:extLst>
       <p:ext uri="{BB962C8B-B14F-4D97-AF65-F5344CB8AC3E}">
